--- a/DeepLearningIntro/IntroToDeepLearning.pptx
+++ b/DeepLearningIntro/IntroToDeepLearning.pptx
@@ -223,7 +223,7 @@
           <a:p>
             <a:fld id="{1331A26D-ECD6-47E3-8707-AD5BD0E39748}" type="datetimeFigureOut">
               <a:rPr lang="en-GB" smtClean="0"/>
-              <a:t>15/12/2016</a:t>
+              <a:t>16/12/2016</a:t>
             </a:fld>
             <a:endParaRPr lang="en-GB"/>
           </a:p>
@@ -629,7 +629,7 @@
                 </a:solidFill>
               </a:rPr>
               <a:pPr/>
-              <a:t>15/12/2016</a:t>
+              <a:t>16/12/2016</a:t>
             </a:fld>
             <a:endParaRPr lang="en-GB">
               <a:solidFill>
@@ -839,7 +839,7 @@
                 </a:solidFill>
               </a:rPr>
               <a:pPr/>
-              <a:t>15/12/2016</a:t>
+              <a:t>16/12/2016</a:t>
             </a:fld>
             <a:endParaRPr lang="en-GB">
               <a:solidFill>
@@ -1059,7 +1059,7 @@
                 </a:solidFill>
               </a:rPr>
               <a:pPr/>
-              <a:t>15/12/2016</a:t>
+              <a:t>16/12/2016</a:t>
             </a:fld>
             <a:endParaRPr lang="en-GB">
               <a:solidFill>
@@ -1269,7 +1269,7 @@
                 </a:solidFill>
               </a:rPr>
               <a:pPr/>
-              <a:t>15/12/2016</a:t>
+              <a:t>16/12/2016</a:t>
             </a:fld>
             <a:endParaRPr lang="en-GB">
               <a:solidFill>
@@ -1555,7 +1555,7 @@
                 </a:solidFill>
               </a:rPr>
               <a:pPr/>
-              <a:t>15/12/2016</a:t>
+              <a:t>16/12/2016</a:t>
             </a:fld>
             <a:endParaRPr lang="en-GB">
               <a:solidFill>
@@ -1827,7 +1827,7 @@
                 </a:solidFill>
               </a:rPr>
               <a:pPr/>
-              <a:t>15/12/2016</a:t>
+              <a:t>16/12/2016</a:t>
             </a:fld>
             <a:endParaRPr lang="en-GB">
               <a:solidFill>
@@ -2234,7 +2234,7 @@
                 </a:solidFill>
               </a:rPr>
               <a:pPr/>
-              <a:t>15/12/2016</a:t>
+              <a:t>16/12/2016</a:t>
             </a:fld>
             <a:endParaRPr lang="en-GB">
               <a:solidFill>
@@ -2392,7 +2392,7 @@
                 </a:solidFill>
               </a:rPr>
               <a:pPr/>
-              <a:t>15/12/2016</a:t>
+              <a:t>16/12/2016</a:t>
             </a:fld>
             <a:endParaRPr lang="en-GB">
               <a:solidFill>
@@ -2527,7 +2527,7 @@
                 </a:solidFill>
               </a:rPr>
               <a:pPr/>
-              <a:t>15/12/2016</a:t>
+              <a:t>16/12/2016</a:t>
             </a:fld>
             <a:endParaRPr lang="en-GB">
               <a:solidFill>
@@ -2844,7 +2844,7 @@
                 </a:solidFill>
               </a:rPr>
               <a:pPr/>
-              <a:t>15/12/2016</a:t>
+              <a:t>16/12/2016</a:t>
             </a:fld>
             <a:endParaRPr lang="en-GB">
               <a:solidFill>
@@ -3137,7 +3137,7 @@
                 </a:solidFill>
               </a:rPr>
               <a:pPr/>
-              <a:t>15/12/2016</a:t>
+              <a:t>16/12/2016</a:t>
             </a:fld>
             <a:endParaRPr lang="en-GB">
               <a:solidFill>
@@ -3390,7 +3390,7 @@
                 </a:solidFill>
               </a:rPr>
               <a:pPr/>
-              <a:t>15/12/2016</a:t>
+              <a:t>16/12/2016</a:t>
             </a:fld>
             <a:endParaRPr lang="en-GB">
               <a:solidFill>
@@ -5699,7 +5699,7 @@
           </a:ln>
           <a:extLst>
             <a:ext uri="{FAA26D3D-D897-4be2-8F04-BA451C77F1D7}">
-              <ma14:placeholderFlag xmlns="" xmlns:wpc="http://schemas.microsoft.com/office/word/2010/wordprocessingCanvas" xmlns:mo="http://schemas.microsoft.com/office/mac/office/2008/main" xmlns:mc="http://schemas.openxmlformats.org/markup-compatibility/2006" xmlns:mv="urn:schemas-microsoft-com:mac:vml" xmlns:o="urn:schemas-microsoft-com:office:office" xmlns:m="http://schemas.openxmlformats.org/officeDocument/2006/math" xmlns:v="urn:schemas-microsoft-com:vml" xmlns:wp14="http://schemas.microsoft.com/office/word/2010/wordprocessingDrawing" xmlns:wp="http://schemas.openxmlformats.org/drawingml/2006/wordprocessingDrawing" xmlns:w10="urn:schemas-microsoft-com:office:word" xmlns:w="http://schemas.openxmlformats.org/wordprocessingml/2006/main" xmlns:w14="http://schemas.microsoft.com/office/word/2010/wordml" xmlns:wpg="http://schemas.microsoft.com/office/word/2010/wordprocessingGroup" xmlns:wpi="http://schemas.microsoft.com/office/word/2010/wordprocessingInk" xmlns:wne="http://schemas.microsoft.com/office/word/2006/wordml" xmlns:wps="http://schemas.microsoft.com/office/word/2010/wordprocessingShape" xmlns:pic="http://schemas.openxmlformats.org/drawingml/2006/picture" xmlns:ma14="http://schemas.microsoft.com/office/mac/drawingml/2011/main" xmlns:lc="http://schemas.openxmlformats.org/drawingml/2006/lockedCanvas"/>
+              <ma14:placeholderFlag xmlns:lc="http://schemas.openxmlformats.org/drawingml/2006/lockedCanvas" xmlns:ma14="http://schemas.microsoft.com/office/mac/drawingml/2011/main" xmlns:pic="http://schemas.openxmlformats.org/drawingml/2006/picture" xmlns:wps="http://schemas.microsoft.com/office/word/2010/wordprocessingShape" xmlns:wne="http://schemas.microsoft.com/office/word/2006/wordml" xmlns:wpi="http://schemas.microsoft.com/office/word/2010/wordprocessingInk" xmlns:wpg="http://schemas.microsoft.com/office/word/2010/wordprocessingGroup" xmlns:w14="http://schemas.microsoft.com/office/word/2010/wordml" xmlns:w="http://schemas.openxmlformats.org/wordprocessingml/2006/main" xmlns:w10="urn:schemas-microsoft-com:office:word" xmlns:wp="http://schemas.openxmlformats.org/drawingml/2006/wordprocessingDrawing" xmlns:wp14="http://schemas.microsoft.com/office/word/2010/wordprocessingDrawing" xmlns:v="urn:schemas-microsoft-com:vml" xmlns:m="http://schemas.openxmlformats.org/officeDocument/2006/math" xmlns:o="urn:schemas-microsoft-com:office:office" xmlns:mv="urn:schemas-microsoft-com:mac:vml" xmlns:mc="http://schemas.openxmlformats.org/markup-compatibility/2006" xmlns:mo="http://schemas.microsoft.com/office/mac/office/2008/main" xmlns:wpc="http://schemas.microsoft.com/office/word/2010/wordprocessingCanvas" xmlns=""/>
             </a:ext>
           </a:extLst>
         </p:spPr>
@@ -20509,9 +20509,9 @@
         <p:grpSpPr>
           <a:xfrm>
             <a:off x="1388279" y="2078874"/>
-            <a:ext cx="9780103" cy="2939684"/>
+            <a:ext cx="10159948" cy="2939684"/>
             <a:chOff x="996393" y="2296886"/>
-            <a:chExt cx="9780103" cy="2939684"/>
+            <a:chExt cx="10159948" cy="2939684"/>
           </a:xfrm>
         </p:grpSpPr>
         <p:pic>
@@ -20723,7 +20723,7 @@
           </p:nvSpPr>
           <p:spPr>
             <a:xfrm>
-              <a:off x="3223988" y="4898016"/>
+              <a:off x="3518628" y="4898016"/>
               <a:ext cx="1271815" cy="338554"/>
             </a:xfrm>
             <a:prstGeom prst="rect">
@@ -20746,7 +20746,7 @@
                   <a:ea typeface="+mj-ea"/>
                   <a:cs typeface="Segoe UI Light" panose="020B0502040204020203" pitchFamily="34" charset="0"/>
                 </a:rPr>
-                <a:t>Feature Map</a:t>
+                <a:t>Kernel</a:t>
               </a:r>
             </a:p>
           </p:txBody>
@@ -20759,7 +20759,7 @@
           </p:nvSpPr>
           <p:spPr>
             <a:xfrm>
-              <a:off x="5994563" y="4898016"/>
+              <a:off x="6303003" y="4898016"/>
               <a:ext cx="2188782" cy="338554"/>
             </a:xfrm>
             <a:prstGeom prst="rect">
@@ -20782,7 +20782,7 @@
                   <a:ea typeface="+mj-ea"/>
                   <a:cs typeface="Segoe UI Light" panose="020B0502040204020203" pitchFamily="34" charset="0"/>
                 </a:rPr>
-                <a:t>Applying Feature Map</a:t>
+                <a:t>Applying Kernel</a:t>
               </a:r>
             </a:p>
           </p:txBody>
@@ -20795,7 +20795,7 @@
           </p:nvSpPr>
           <p:spPr>
             <a:xfrm>
-              <a:off x="8587714" y="4898016"/>
+              <a:off x="8967559" y="4898016"/>
               <a:ext cx="2188782" cy="338554"/>
             </a:xfrm>
             <a:prstGeom prst="rect">
@@ -20818,7 +20818,7 @@
                   <a:ea typeface="+mj-ea"/>
                   <a:cs typeface="Segoe UI Light" panose="020B0502040204020203" pitchFamily="34" charset="0"/>
                 </a:rPr>
-                <a:t>Convoluted Feature</a:t>
+                <a:t>Feature Map</a:t>
               </a:r>
             </a:p>
           </p:txBody>

--- a/DeepLearningIntro/IntroToDeepLearning.pptx
+++ b/DeepLearningIntro/IntroToDeepLearning.pptx
@@ -226,7 +226,7 @@
           <a:p>
             <a:fld id="{1331A26D-ECD6-47E3-8707-AD5BD0E39748}" type="datetimeFigureOut">
               <a:rPr lang="en-GB" smtClean="0"/>
-              <a:t>24/01/2017</a:t>
+              <a:t>25/01/2017</a:t>
             </a:fld>
             <a:endParaRPr lang="en-GB"/>
           </a:p>
@@ -538,47 +538,6 @@
           <a:bodyPr/>
           <a:lstStyle/>
           <a:p>
-            <a:r>
-              <a:rPr lang="en-GB" dirty="0" err="1"/>
-              <a:t>Backprop</a:t>
-            </a:r>
-            <a:r>
-              <a:rPr lang="en-GB" dirty="0"/>
-              <a:t> – explanation from Wikipedia</a:t>
-            </a:r>
-          </a:p>
-          <a:p>
-            <a:pPr rtl="0"/>
-            <a:r>
-              <a:rPr lang="en-GB" dirty="0">
-                <a:effectLst/>
-              </a:rPr>
-              <a:t>The algorithm repeats a two phase cycle, propagation and weight update. When an input vector is presented to the network, it is propagated forward through the network, layer by layer, until it reaches the output layer. The output of the network is then compared to the desired output, using a </a:t>
-            </a:r>
-            <a:r>
-              <a:rPr lang="en-GB" dirty="0">
-                <a:effectLst/>
-                <a:hlinkClick r:id="rId3" tooltip="Loss function"/>
-              </a:rPr>
-              <a:t>loss function</a:t>
-            </a:r>
-            <a:r>
-              <a:rPr lang="en-GB" dirty="0">
-                <a:effectLst/>
-              </a:rPr>
-              <a:t>, and an error value is calculated for each of the neurons in the output layer. The error values are then propagated backwards, starting from the output, until each neuron has an associated error value which roughly represents its contribution to the original output.</a:t>
-            </a:r>
-          </a:p>
-          <a:p>
-            <a:pPr rtl="0"/>
-            <a:r>
-              <a:rPr lang="en-GB" dirty="0">
-                <a:effectLst/>
-              </a:rPr>
-              <a:t>Backpropagation uses these error values to calculate the gradient of the loss function with respect to the weights in the network. In the second phase, this gradient is fed to the optimization method, which in turn uses it to update the weights, in an attempt to minimize the loss function.</a:t>
-            </a:r>
-          </a:p>
-          <a:p>
             <a:endParaRPr lang="en-GB" dirty="0"/>
           </a:p>
         </p:txBody>
@@ -757,7 +716,7 @@
                 </a:solidFill>
               </a:rPr>
               <a:pPr/>
-              <a:t>24/01/2017</a:t>
+              <a:t>25/01/2017</a:t>
             </a:fld>
             <a:endParaRPr lang="en-GB">
               <a:solidFill>
@@ -967,7 +926,7 @@
                 </a:solidFill>
               </a:rPr>
               <a:pPr/>
-              <a:t>24/01/2017</a:t>
+              <a:t>25/01/2017</a:t>
             </a:fld>
             <a:endParaRPr lang="en-GB">
               <a:solidFill>
@@ -1187,7 +1146,7 @@
                 </a:solidFill>
               </a:rPr>
               <a:pPr/>
-              <a:t>24/01/2017</a:t>
+              <a:t>25/01/2017</a:t>
             </a:fld>
             <a:endParaRPr lang="en-GB">
               <a:solidFill>
@@ -1397,7 +1356,7 @@
                 </a:solidFill>
               </a:rPr>
               <a:pPr/>
-              <a:t>24/01/2017</a:t>
+              <a:t>25/01/2017</a:t>
             </a:fld>
             <a:endParaRPr lang="en-GB">
               <a:solidFill>
@@ -1683,7 +1642,7 @@
                 </a:solidFill>
               </a:rPr>
               <a:pPr/>
-              <a:t>24/01/2017</a:t>
+              <a:t>25/01/2017</a:t>
             </a:fld>
             <a:endParaRPr lang="en-GB">
               <a:solidFill>
@@ -1955,7 +1914,7 @@
                 </a:solidFill>
               </a:rPr>
               <a:pPr/>
-              <a:t>24/01/2017</a:t>
+              <a:t>25/01/2017</a:t>
             </a:fld>
             <a:endParaRPr lang="en-GB">
               <a:solidFill>
@@ -2362,7 +2321,7 @@
                 </a:solidFill>
               </a:rPr>
               <a:pPr/>
-              <a:t>24/01/2017</a:t>
+              <a:t>25/01/2017</a:t>
             </a:fld>
             <a:endParaRPr lang="en-GB">
               <a:solidFill>
@@ -2520,7 +2479,7 @@
                 </a:solidFill>
               </a:rPr>
               <a:pPr/>
-              <a:t>24/01/2017</a:t>
+              <a:t>25/01/2017</a:t>
             </a:fld>
             <a:endParaRPr lang="en-GB">
               <a:solidFill>
@@ -2655,7 +2614,7 @@
                 </a:solidFill>
               </a:rPr>
               <a:pPr/>
-              <a:t>24/01/2017</a:t>
+              <a:t>25/01/2017</a:t>
             </a:fld>
             <a:endParaRPr lang="en-GB">
               <a:solidFill>
@@ -2972,7 +2931,7 @@
                 </a:solidFill>
               </a:rPr>
               <a:pPr/>
-              <a:t>24/01/2017</a:t>
+              <a:t>25/01/2017</a:t>
             </a:fld>
             <a:endParaRPr lang="en-GB">
               <a:solidFill>
@@ -3265,7 +3224,7 @@
                 </a:solidFill>
               </a:rPr>
               <a:pPr/>
-              <a:t>24/01/2017</a:t>
+              <a:t>25/01/2017</a:t>
             </a:fld>
             <a:endParaRPr lang="en-GB">
               <a:solidFill>
@@ -3518,7 +3477,7 @@
                 </a:solidFill>
               </a:rPr>
               <a:pPr/>
-              <a:t>24/01/2017</a:t>
+              <a:t>25/01/2017</a:t>
             </a:fld>
             <a:endParaRPr lang="en-GB">
               <a:solidFill>
@@ -13008,7 +12967,7 @@
           </a:ln>
           <a:extLst>
             <a:ext uri="{FAA26D3D-D897-4be2-8F04-BA451C77F1D7}">
-              <ma14:placeholderFlag xmlns:lc="http://schemas.openxmlformats.org/drawingml/2006/lockedCanvas" xmlns:ma14="http://schemas.microsoft.com/office/mac/drawingml/2011/main" xmlns:pic="http://schemas.openxmlformats.org/drawingml/2006/picture" xmlns:wps="http://schemas.microsoft.com/office/word/2010/wordprocessingShape" xmlns:wne="http://schemas.microsoft.com/office/word/2006/wordml" xmlns:wpi="http://schemas.microsoft.com/office/word/2010/wordprocessingInk" xmlns:wpg="http://schemas.microsoft.com/office/word/2010/wordprocessingGroup" xmlns:w14="http://schemas.microsoft.com/office/word/2010/wordml" xmlns:w="http://schemas.openxmlformats.org/wordprocessingml/2006/main" xmlns:w10="urn:schemas-microsoft-com:office:word" xmlns:wp="http://schemas.openxmlformats.org/drawingml/2006/wordprocessingDrawing" xmlns:wp14="http://schemas.microsoft.com/office/word/2010/wordprocessingDrawing" xmlns:v="urn:schemas-microsoft-com:vml" xmlns:m="http://schemas.openxmlformats.org/officeDocument/2006/math" xmlns:o="urn:schemas-microsoft-com:office:office" xmlns:mv="urn:schemas-microsoft-com:mac:vml" xmlns:mc="http://schemas.openxmlformats.org/markup-compatibility/2006" xmlns:mo="http://schemas.microsoft.com/office/mac/office/2008/main" xmlns:wpc="http://schemas.microsoft.com/office/word/2010/wordprocessingCanvas" xmlns=""/>
+              <ma14:placeholderFlag xmlns="" xmlns:wpc="http://schemas.microsoft.com/office/word/2010/wordprocessingCanvas" xmlns:mo="http://schemas.microsoft.com/office/mac/office/2008/main" xmlns:mc="http://schemas.openxmlformats.org/markup-compatibility/2006" xmlns:mv="urn:schemas-microsoft-com:mac:vml" xmlns:o="urn:schemas-microsoft-com:office:office" xmlns:m="http://schemas.openxmlformats.org/officeDocument/2006/math" xmlns:v="urn:schemas-microsoft-com:vml" xmlns:wp14="http://schemas.microsoft.com/office/word/2010/wordprocessingDrawing" xmlns:wp="http://schemas.openxmlformats.org/drawingml/2006/wordprocessingDrawing" xmlns:w10="urn:schemas-microsoft-com:office:word" xmlns:w="http://schemas.openxmlformats.org/wordprocessingml/2006/main" xmlns:w14="http://schemas.microsoft.com/office/word/2010/wordml" xmlns:wpg="http://schemas.microsoft.com/office/word/2010/wordprocessingGroup" xmlns:wpi="http://schemas.microsoft.com/office/word/2010/wordprocessingInk" xmlns:wne="http://schemas.microsoft.com/office/word/2006/wordml" xmlns:wps="http://schemas.microsoft.com/office/word/2010/wordprocessingShape" xmlns:pic="http://schemas.openxmlformats.org/drawingml/2006/picture" xmlns:ma14="http://schemas.microsoft.com/office/mac/drawingml/2011/main" xmlns:lc="http://schemas.openxmlformats.org/drawingml/2006/lockedCanvas"/>
             </a:ext>
           </a:extLst>
         </p:spPr>
@@ -23721,8 +23680,8 @@
               <a:chExt cx="1827280" cy="954887"/>
             </a:xfrm>
           </p:grpSpPr>
-          <mc:AlternateContent xmlns:mc="http://schemas.openxmlformats.org/markup-compatibility/2006">
-            <mc:Choice xmlns:a14="http://schemas.microsoft.com/office/drawing/2010/main" Requires="a14">
+          <mc:AlternateContent xmlns:mc="http://schemas.openxmlformats.org/markup-compatibility/2006" xmlns:a14="http://schemas.microsoft.com/office/drawing/2010/main">
+            <mc:Choice Requires="a14">
               <p:sp>
                 <p:nvSpPr>
                   <p:cNvPr id="31" name="Oval 30"/>
@@ -23845,7 +23804,7 @@
                 </p:txBody>
               </p:sp>
             </mc:Choice>
-            <mc:Fallback>
+            <mc:Fallback xmlns="">
               <p:sp>
                 <p:nvSpPr>
                   <p:cNvPr id="31" name="Oval 30"/>
